--- a/ppt 16-9/1521.舍己的爱.pptx
+++ b/ppt 16-9/1521.舍己的爱.pptx
@@ -5,7 +5,7 @@
     <p:sldMasterId id="2147483648" r:id="rId1"/>
   </p:sldMasterIdLst>
   <p:sldIdLst>
-    <p:sldId id="3366" r:id="rId2"/>
+    <p:sldId id="3367" r:id="rId2"/>
   </p:sldIdLst>
   <p:sldSz cx="12192000" cy="6858000"/>
   <p:notesSz cx="6858000" cy="9144000"/>
@@ -129,7 +129,7 @@
           <p:cNvPr id="2" name="标题 1">
             <a:extLst>
               <a:ext uri="{FF2B5EF4-FFF2-40B4-BE49-F238E27FC236}">
-                <a16:creationId xmlns:a16="http://schemas.microsoft.com/office/drawing/2014/main" id="{2E3B7425-CFD1-44FE-FC58-CAD32D323E48}"/>
+                <a16:creationId xmlns:a16="http://schemas.microsoft.com/office/drawing/2014/main" id="{1A58860B-8CFF-02BA-55C5-F9C18C622666}"/>
               </a:ext>
             </a:extLst>
           </p:cNvPr>
@@ -166,7 +166,7 @@
           <p:cNvPr id="3" name="副标题 2">
             <a:extLst>
               <a:ext uri="{FF2B5EF4-FFF2-40B4-BE49-F238E27FC236}">
-                <a16:creationId xmlns:a16="http://schemas.microsoft.com/office/drawing/2014/main" id="{112ADC43-23BE-69B9-3958-BE1766514D23}"/>
+                <a16:creationId xmlns:a16="http://schemas.microsoft.com/office/drawing/2014/main" id="{7BCA621C-FF50-05D1-4DB9-BB1A762272E1}"/>
               </a:ext>
             </a:extLst>
           </p:cNvPr>
@@ -236,7 +236,7 @@
           <p:cNvPr id="4" name="日期占位符 3">
             <a:extLst>
               <a:ext uri="{FF2B5EF4-FFF2-40B4-BE49-F238E27FC236}">
-                <a16:creationId xmlns:a16="http://schemas.microsoft.com/office/drawing/2014/main" id="{A175F6C2-53B9-E6EB-F510-FE96D2181F9E}"/>
+                <a16:creationId xmlns:a16="http://schemas.microsoft.com/office/drawing/2014/main" id="{B33884A1-F904-DB3C-4BAC-FBAFF0C7A669}"/>
               </a:ext>
             </a:extLst>
           </p:cNvPr>
@@ -252,7 +252,7 @@
           <a:bodyPr/>
           <a:lstStyle/>
           <a:p>
-            <a:fld id="{15005D52-2CE2-4982-8427-4372557D5F2F}" type="datetimeFigureOut">
+            <a:fld id="{049140C6-E4DA-4659-AAB4-8F1B743259DF}" type="datetimeFigureOut">
               <a:rPr lang="zh-CN" altLang="en-US" smtClean="0"/>
               <a:t>2024/3/10</a:t>
             </a:fld>
@@ -265,7 +265,7 @@
           <p:cNvPr id="5" name="页脚占位符 4">
             <a:extLst>
               <a:ext uri="{FF2B5EF4-FFF2-40B4-BE49-F238E27FC236}">
-                <a16:creationId xmlns:a16="http://schemas.microsoft.com/office/drawing/2014/main" id="{BFD8838A-7B8F-EF4A-E8B8-5D48F13E417A}"/>
+                <a16:creationId xmlns:a16="http://schemas.microsoft.com/office/drawing/2014/main" id="{7C641F91-3FD8-623B-608C-E1B0A2D8AFA2}"/>
               </a:ext>
             </a:extLst>
           </p:cNvPr>
@@ -290,7 +290,7 @@
           <p:cNvPr id="6" name="灯片编号占位符 5">
             <a:extLst>
               <a:ext uri="{FF2B5EF4-FFF2-40B4-BE49-F238E27FC236}">
-                <a16:creationId xmlns:a16="http://schemas.microsoft.com/office/drawing/2014/main" id="{3E8AD94B-1E17-AD56-D749-0B88E0B7D05F}"/>
+                <a16:creationId xmlns:a16="http://schemas.microsoft.com/office/drawing/2014/main" id="{14366933-2B93-1F0F-77D9-832996500928}"/>
               </a:ext>
             </a:extLst>
           </p:cNvPr>
@@ -306,7 +306,7 @@
           <a:bodyPr/>
           <a:lstStyle/>
           <a:p>
-            <a:fld id="{8569DE81-8E28-45CB-AE6D-B0E51CBDDC24}" type="slidenum">
+            <a:fld id="{0BB947AE-120C-4E49-9479-967FBC8058A5}" type="slidenum">
               <a:rPr lang="zh-CN" altLang="en-US" smtClean="0"/>
               <a:t>‹#›</a:t>
             </a:fld>
@@ -317,7 +317,7 @@
     </p:spTree>
     <p:extLst>
       <p:ext uri="{BB962C8B-B14F-4D97-AF65-F5344CB8AC3E}">
-        <p14:creationId xmlns:p14="http://schemas.microsoft.com/office/powerpoint/2010/main" val="3247614772"/>
+        <p14:creationId xmlns:p14="http://schemas.microsoft.com/office/powerpoint/2010/main" val="3388850231"/>
       </p:ext>
     </p:extLst>
   </p:cSld>
@@ -349,7 +349,7 @@
           <p:cNvPr id="2" name="标题 1">
             <a:extLst>
               <a:ext uri="{FF2B5EF4-FFF2-40B4-BE49-F238E27FC236}">
-                <a16:creationId xmlns:a16="http://schemas.microsoft.com/office/drawing/2014/main" id="{A8AAA058-AD67-1BBB-39B6-C088C35CD0EB}"/>
+                <a16:creationId xmlns:a16="http://schemas.microsoft.com/office/drawing/2014/main" id="{786507D4-47D8-C62A-506E-77FDBF85516E}"/>
               </a:ext>
             </a:extLst>
           </p:cNvPr>
@@ -377,7 +377,7 @@
           <p:cNvPr id="3" name="竖排文字占位符 2">
             <a:extLst>
               <a:ext uri="{FF2B5EF4-FFF2-40B4-BE49-F238E27FC236}">
-                <a16:creationId xmlns:a16="http://schemas.microsoft.com/office/drawing/2014/main" id="{F9EF18B6-17BF-9A3C-5954-FAC67E8AE7A1}"/>
+                <a16:creationId xmlns:a16="http://schemas.microsoft.com/office/drawing/2014/main" id="{A6D08108-81A3-E6C7-8CCA-30990F986A8C}"/>
               </a:ext>
             </a:extLst>
           </p:cNvPr>
@@ -434,7 +434,7 @@
           <p:cNvPr id="4" name="日期占位符 3">
             <a:extLst>
               <a:ext uri="{FF2B5EF4-FFF2-40B4-BE49-F238E27FC236}">
-                <a16:creationId xmlns:a16="http://schemas.microsoft.com/office/drawing/2014/main" id="{B4A76038-EE34-CBA8-26C0-90DFF59A8EB8}"/>
+                <a16:creationId xmlns:a16="http://schemas.microsoft.com/office/drawing/2014/main" id="{D76DF8F4-EA4C-ADB2-CE11-F8ECE38A611A}"/>
               </a:ext>
             </a:extLst>
           </p:cNvPr>
@@ -450,7 +450,7 @@
           <a:bodyPr/>
           <a:lstStyle/>
           <a:p>
-            <a:fld id="{15005D52-2CE2-4982-8427-4372557D5F2F}" type="datetimeFigureOut">
+            <a:fld id="{049140C6-E4DA-4659-AAB4-8F1B743259DF}" type="datetimeFigureOut">
               <a:rPr lang="zh-CN" altLang="en-US" smtClean="0"/>
               <a:t>2024/3/10</a:t>
             </a:fld>
@@ -463,7 +463,7 @@
           <p:cNvPr id="5" name="页脚占位符 4">
             <a:extLst>
               <a:ext uri="{FF2B5EF4-FFF2-40B4-BE49-F238E27FC236}">
-                <a16:creationId xmlns:a16="http://schemas.microsoft.com/office/drawing/2014/main" id="{B794C21A-92A5-D3C6-ACC4-6E6C0179D007}"/>
+                <a16:creationId xmlns:a16="http://schemas.microsoft.com/office/drawing/2014/main" id="{562E243C-78D6-738E-D80A-15D918B7FA6C}"/>
               </a:ext>
             </a:extLst>
           </p:cNvPr>
@@ -488,7 +488,7 @@
           <p:cNvPr id="6" name="灯片编号占位符 5">
             <a:extLst>
               <a:ext uri="{FF2B5EF4-FFF2-40B4-BE49-F238E27FC236}">
-                <a16:creationId xmlns:a16="http://schemas.microsoft.com/office/drawing/2014/main" id="{7C21BD63-7177-E605-6A08-F461CD6964F6}"/>
+                <a16:creationId xmlns:a16="http://schemas.microsoft.com/office/drawing/2014/main" id="{D98BFFEF-18B3-BF9B-8D57-85F9C5EDD387}"/>
               </a:ext>
             </a:extLst>
           </p:cNvPr>
@@ -504,7 +504,7 @@
           <a:bodyPr/>
           <a:lstStyle/>
           <a:p>
-            <a:fld id="{8569DE81-8E28-45CB-AE6D-B0E51CBDDC24}" type="slidenum">
+            <a:fld id="{0BB947AE-120C-4E49-9479-967FBC8058A5}" type="slidenum">
               <a:rPr lang="zh-CN" altLang="en-US" smtClean="0"/>
               <a:t>‹#›</a:t>
             </a:fld>
@@ -515,7 +515,7 @@
     </p:spTree>
     <p:extLst>
       <p:ext uri="{BB962C8B-B14F-4D97-AF65-F5344CB8AC3E}">
-        <p14:creationId xmlns:p14="http://schemas.microsoft.com/office/powerpoint/2010/main" val="2690636768"/>
+        <p14:creationId xmlns:p14="http://schemas.microsoft.com/office/powerpoint/2010/main" val="1048922145"/>
       </p:ext>
     </p:extLst>
   </p:cSld>
@@ -547,7 +547,7 @@
           <p:cNvPr id="2" name="竖排标题 1">
             <a:extLst>
               <a:ext uri="{FF2B5EF4-FFF2-40B4-BE49-F238E27FC236}">
-                <a16:creationId xmlns:a16="http://schemas.microsoft.com/office/drawing/2014/main" id="{35F8CEC6-3622-82B0-508F-6BDC9891BF41}"/>
+                <a16:creationId xmlns:a16="http://schemas.microsoft.com/office/drawing/2014/main" id="{F4643CC4-4DFB-9816-8700-9A4606B0E4EF}"/>
               </a:ext>
             </a:extLst>
           </p:cNvPr>
@@ -580,7 +580,7 @@
           <p:cNvPr id="3" name="竖排文字占位符 2">
             <a:extLst>
               <a:ext uri="{FF2B5EF4-FFF2-40B4-BE49-F238E27FC236}">
-                <a16:creationId xmlns:a16="http://schemas.microsoft.com/office/drawing/2014/main" id="{495FEDB5-A95B-B006-9AD9-41A52BB4187C}"/>
+                <a16:creationId xmlns:a16="http://schemas.microsoft.com/office/drawing/2014/main" id="{682FAC07-7C98-66B3-FCDE-7D00EBFD584D}"/>
               </a:ext>
             </a:extLst>
           </p:cNvPr>
@@ -642,7 +642,7 @@
           <p:cNvPr id="4" name="日期占位符 3">
             <a:extLst>
               <a:ext uri="{FF2B5EF4-FFF2-40B4-BE49-F238E27FC236}">
-                <a16:creationId xmlns:a16="http://schemas.microsoft.com/office/drawing/2014/main" id="{2F5F4578-59D4-3F54-112B-FC9C16F91930}"/>
+                <a16:creationId xmlns:a16="http://schemas.microsoft.com/office/drawing/2014/main" id="{7C5D4EC8-2EA1-D95B-99B4-5D8C6F688136}"/>
               </a:ext>
             </a:extLst>
           </p:cNvPr>
@@ -658,7 +658,7 @@
           <a:bodyPr/>
           <a:lstStyle/>
           <a:p>
-            <a:fld id="{15005D52-2CE2-4982-8427-4372557D5F2F}" type="datetimeFigureOut">
+            <a:fld id="{049140C6-E4DA-4659-AAB4-8F1B743259DF}" type="datetimeFigureOut">
               <a:rPr lang="zh-CN" altLang="en-US" smtClean="0"/>
               <a:t>2024/3/10</a:t>
             </a:fld>
@@ -671,7 +671,7 @@
           <p:cNvPr id="5" name="页脚占位符 4">
             <a:extLst>
               <a:ext uri="{FF2B5EF4-FFF2-40B4-BE49-F238E27FC236}">
-                <a16:creationId xmlns:a16="http://schemas.microsoft.com/office/drawing/2014/main" id="{9761E378-C9C4-9AE1-4124-D184D2BF3EA7}"/>
+                <a16:creationId xmlns:a16="http://schemas.microsoft.com/office/drawing/2014/main" id="{AB37DAD6-1DF9-5CC7-B108-C4AD623A3719}"/>
               </a:ext>
             </a:extLst>
           </p:cNvPr>
@@ -696,7 +696,7 @@
           <p:cNvPr id="6" name="灯片编号占位符 5">
             <a:extLst>
               <a:ext uri="{FF2B5EF4-FFF2-40B4-BE49-F238E27FC236}">
-                <a16:creationId xmlns:a16="http://schemas.microsoft.com/office/drawing/2014/main" id="{B23DB965-A84F-D3CC-71EF-863FC6901185}"/>
+                <a16:creationId xmlns:a16="http://schemas.microsoft.com/office/drawing/2014/main" id="{666247E5-3C23-C407-56DD-ACC04C1AE5E8}"/>
               </a:ext>
             </a:extLst>
           </p:cNvPr>
@@ -712,7 +712,7 @@
           <a:bodyPr/>
           <a:lstStyle/>
           <a:p>
-            <a:fld id="{8569DE81-8E28-45CB-AE6D-B0E51CBDDC24}" type="slidenum">
+            <a:fld id="{0BB947AE-120C-4E49-9479-967FBC8058A5}" type="slidenum">
               <a:rPr lang="zh-CN" altLang="en-US" smtClean="0"/>
               <a:t>‹#›</a:t>
             </a:fld>
@@ -723,7 +723,7 @@
     </p:spTree>
     <p:extLst>
       <p:ext uri="{BB962C8B-B14F-4D97-AF65-F5344CB8AC3E}">
-        <p14:creationId xmlns:p14="http://schemas.microsoft.com/office/powerpoint/2010/main" val="1714309764"/>
+        <p14:creationId xmlns:p14="http://schemas.microsoft.com/office/powerpoint/2010/main" val="1638955314"/>
       </p:ext>
     </p:extLst>
   </p:cSld>
@@ -755,7 +755,7 @@
           <p:cNvPr id="2" name="标题 1">
             <a:extLst>
               <a:ext uri="{FF2B5EF4-FFF2-40B4-BE49-F238E27FC236}">
-                <a16:creationId xmlns:a16="http://schemas.microsoft.com/office/drawing/2014/main" id="{DCFDA514-92C1-C02E-2698-36B1DEE85ACC}"/>
+                <a16:creationId xmlns:a16="http://schemas.microsoft.com/office/drawing/2014/main" id="{E14E7D05-22C4-AD7E-4871-7804C7B67822}"/>
               </a:ext>
             </a:extLst>
           </p:cNvPr>
@@ -783,7 +783,7 @@
           <p:cNvPr id="3" name="内容占位符 2">
             <a:extLst>
               <a:ext uri="{FF2B5EF4-FFF2-40B4-BE49-F238E27FC236}">
-                <a16:creationId xmlns:a16="http://schemas.microsoft.com/office/drawing/2014/main" id="{62D370CA-00B6-43E9-4A4E-4B7025938EEE}"/>
+                <a16:creationId xmlns:a16="http://schemas.microsoft.com/office/drawing/2014/main" id="{7FBFA368-4D1D-BD40-CB68-3D33B2644349}"/>
               </a:ext>
             </a:extLst>
           </p:cNvPr>
@@ -840,7 +840,7 @@
           <p:cNvPr id="4" name="日期占位符 3">
             <a:extLst>
               <a:ext uri="{FF2B5EF4-FFF2-40B4-BE49-F238E27FC236}">
-                <a16:creationId xmlns:a16="http://schemas.microsoft.com/office/drawing/2014/main" id="{D38BEAB6-6908-05C5-6211-E1AE5B60A664}"/>
+                <a16:creationId xmlns:a16="http://schemas.microsoft.com/office/drawing/2014/main" id="{67E3D6F2-F79E-9160-B7C4-D6D4A9D4D505}"/>
               </a:ext>
             </a:extLst>
           </p:cNvPr>
@@ -856,7 +856,7 @@
           <a:bodyPr/>
           <a:lstStyle/>
           <a:p>
-            <a:fld id="{15005D52-2CE2-4982-8427-4372557D5F2F}" type="datetimeFigureOut">
+            <a:fld id="{049140C6-E4DA-4659-AAB4-8F1B743259DF}" type="datetimeFigureOut">
               <a:rPr lang="zh-CN" altLang="en-US" smtClean="0"/>
               <a:t>2024/3/10</a:t>
             </a:fld>
@@ -869,7 +869,7 @@
           <p:cNvPr id="5" name="页脚占位符 4">
             <a:extLst>
               <a:ext uri="{FF2B5EF4-FFF2-40B4-BE49-F238E27FC236}">
-                <a16:creationId xmlns:a16="http://schemas.microsoft.com/office/drawing/2014/main" id="{4E888053-139F-FC0D-D1B3-C4E7757AF6C3}"/>
+                <a16:creationId xmlns:a16="http://schemas.microsoft.com/office/drawing/2014/main" id="{79DD933D-32EE-C07D-0D22-C59913EC6B7E}"/>
               </a:ext>
             </a:extLst>
           </p:cNvPr>
@@ -894,7 +894,7 @@
           <p:cNvPr id="6" name="灯片编号占位符 5">
             <a:extLst>
               <a:ext uri="{FF2B5EF4-FFF2-40B4-BE49-F238E27FC236}">
-                <a16:creationId xmlns:a16="http://schemas.microsoft.com/office/drawing/2014/main" id="{96063BED-C814-C17B-345D-7AA76736AF97}"/>
+                <a16:creationId xmlns:a16="http://schemas.microsoft.com/office/drawing/2014/main" id="{670F4603-E5E9-09A2-FB43-5B3C31CA831E}"/>
               </a:ext>
             </a:extLst>
           </p:cNvPr>
@@ -910,7 +910,7 @@
           <a:bodyPr/>
           <a:lstStyle/>
           <a:p>
-            <a:fld id="{8569DE81-8E28-45CB-AE6D-B0E51CBDDC24}" type="slidenum">
+            <a:fld id="{0BB947AE-120C-4E49-9479-967FBC8058A5}" type="slidenum">
               <a:rPr lang="zh-CN" altLang="en-US" smtClean="0"/>
               <a:t>‹#›</a:t>
             </a:fld>
@@ -921,7 +921,7 @@
     </p:spTree>
     <p:extLst>
       <p:ext uri="{BB962C8B-B14F-4D97-AF65-F5344CB8AC3E}">
-        <p14:creationId xmlns:p14="http://schemas.microsoft.com/office/powerpoint/2010/main" val="1663469602"/>
+        <p14:creationId xmlns:p14="http://schemas.microsoft.com/office/powerpoint/2010/main" val="2816978886"/>
       </p:ext>
     </p:extLst>
   </p:cSld>
@@ -953,7 +953,7 @@
           <p:cNvPr id="2" name="标题 1">
             <a:extLst>
               <a:ext uri="{FF2B5EF4-FFF2-40B4-BE49-F238E27FC236}">
-                <a16:creationId xmlns:a16="http://schemas.microsoft.com/office/drawing/2014/main" id="{3774F25B-9ABB-8089-2C69-AD0419E29A46}"/>
+                <a16:creationId xmlns:a16="http://schemas.microsoft.com/office/drawing/2014/main" id="{6D60B7DF-E98A-FF37-9F2E-0F16447F9051}"/>
               </a:ext>
             </a:extLst>
           </p:cNvPr>
@@ -990,7 +990,7 @@
           <p:cNvPr id="3" name="文本占位符 2">
             <a:extLst>
               <a:ext uri="{FF2B5EF4-FFF2-40B4-BE49-F238E27FC236}">
-                <a16:creationId xmlns:a16="http://schemas.microsoft.com/office/drawing/2014/main" id="{250CE59E-93AF-117B-6623-41A6FA88BE67}"/>
+                <a16:creationId xmlns:a16="http://schemas.microsoft.com/office/drawing/2014/main" id="{E35B0EF3-64AE-3FC6-314C-2EF7160178D5}"/>
               </a:ext>
             </a:extLst>
           </p:cNvPr>
@@ -1115,7 +1115,7 @@
           <p:cNvPr id="4" name="日期占位符 3">
             <a:extLst>
               <a:ext uri="{FF2B5EF4-FFF2-40B4-BE49-F238E27FC236}">
-                <a16:creationId xmlns:a16="http://schemas.microsoft.com/office/drawing/2014/main" id="{FA0B8BF8-38BC-0226-9870-6E17F51FA56F}"/>
+                <a16:creationId xmlns:a16="http://schemas.microsoft.com/office/drawing/2014/main" id="{0DFFDE3A-CB1A-0DAB-889E-26A02EAE9B7B}"/>
               </a:ext>
             </a:extLst>
           </p:cNvPr>
@@ -1131,7 +1131,7 @@
           <a:bodyPr/>
           <a:lstStyle/>
           <a:p>
-            <a:fld id="{15005D52-2CE2-4982-8427-4372557D5F2F}" type="datetimeFigureOut">
+            <a:fld id="{049140C6-E4DA-4659-AAB4-8F1B743259DF}" type="datetimeFigureOut">
               <a:rPr lang="zh-CN" altLang="en-US" smtClean="0"/>
               <a:t>2024/3/10</a:t>
             </a:fld>
@@ -1144,7 +1144,7 @@
           <p:cNvPr id="5" name="页脚占位符 4">
             <a:extLst>
               <a:ext uri="{FF2B5EF4-FFF2-40B4-BE49-F238E27FC236}">
-                <a16:creationId xmlns:a16="http://schemas.microsoft.com/office/drawing/2014/main" id="{6DD8F87C-09C2-BC66-F9C3-1715C22EAE4B}"/>
+                <a16:creationId xmlns:a16="http://schemas.microsoft.com/office/drawing/2014/main" id="{7B962B5D-B476-9069-1DF7-2226DC8D48E1}"/>
               </a:ext>
             </a:extLst>
           </p:cNvPr>
@@ -1169,7 +1169,7 @@
           <p:cNvPr id="6" name="灯片编号占位符 5">
             <a:extLst>
               <a:ext uri="{FF2B5EF4-FFF2-40B4-BE49-F238E27FC236}">
-                <a16:creationId xmlns:a16="http://schemas.microsoft.com/office/drawing/2014/main" id="{518CA819-49A2-B6FC-6179-B69DE6C0CFBF}"/>
+                <a16:creationId xmlns:a16="http://schemas.microsoft.com/office/drawing/2014/main" id="{0A331653-D2BB-7FEB-883D-EFD78BD5ACBA}"/>
               </a:ext>
             </a:extLst>
           </p:cNvPr>
@@ -1185,7 +1185,7 @@
           <a:bodyPr/>
           <a:lstStyle/>
           <a:p>
-            <a:fld id="{8569DE81-8E28-45CB-AE6D-B0E51CBDDC24}" type="slidenum">
+            <a:fld id="{0BB947AE-120C-4E49-9479-967FBC8058A5}" type="slidenum">
               <a:rPr lang="zh-CN" altLang="en-US" smtClean="0"/>
               <a:t>‹#›</a:t>
             </a:fld>
@@ -1196,7 +1196,7 @@
     </p:spTree>
     <p:extLst>
       <p:ext uri="{BB962C8B-B14F-4D97-AF65-F5344CB8AC3E}">
-        <p14:creationId xmlns:p14="http://schemas.microsoft.com/office/powerpoint/2010/main" val="1391290980"/>
+        <p14:creationId xmlns:p14="http://schemas.microsoft.com/office/powerpoint/2010/main" val="3810756570"/>
       </p:ext>
     </p:extLst>
   </p:cSld>
@@ -1228,7 +1228,7 @@
           <p:cNvPr id="2" name="标题 1">
             <a:extLst>
               <a:ext uri="{FF2B5EF4-FFF2-40B4-BE49-F238E27FC236}">
-                <a16:creationId xmlns:a16="http://schemas.microsoft.com/office/drawing/2014/main" id="{D257E61F-EC19-F0BF-2E0C-967906EA7266}"/>
+                <a16:creationId xmlns:a16="http://schemas.microsoft.com/office/drawing/2014/main" id="{B39ACF36-9AB1-A7B1-22FC-4A4A4A659144}"/>
               </a:ext>
             </a:extLst>
           </p:cNvPr>
@@ -1256,7 +1256,7 @@
           <p:cNvPr id="3" name="内容占位符 2">
             <a:extLst>
               <a:ext uri="{FF2B5EF4-FFF2-40B4-BE49-F238E27FC236}">
-                <a16:creationId xmlns:a16="http://schemas.microsoft.com/office/drawing/2014/main" id="{B39E26EF-8EF5-9E63-4856-80C701397712}"/>
+                <a16:creationId xmlns:a16="http://schemas.microsoft.com/office/drawing/2014/main" id="{CDE39459-EAD9-96A7-D36B-528918155DDC}"/>
               </a:ext>
             </a:extLst>
           </p:cNvPr>
@@ -1318,7 +1318,7 @@
           <p:cNvPr id="4" name="内容占位符 3">
             <a:extLst>
               <a:ext uri="{FF2B5EF4-FFF2-40B4-BE49-F238E27FC236}">
-                <a16:creationId xmlns:a16="http://schemas.microsoft.com/office/drawing/2014/main" id="{D0FA75D7-A750-B247-81B6-6BA4AAC3D88A}"/>
+                <a16:creationId xmlns:a16="http://schemas.microsoft.com/office/drawing/2014/main" id="{B896FA19-F117-9CB9-81A1-A28856A308AA}"/>
               </a:ext>
             </a:extLst>
           </p:cNvPr>
@@ -1380,7 +1380,7 @@
           <p:cNvPr id="5" name="日期占位符 4">
             <a:extLst>
               <a:ext uri="{FF2B5EF4-FFF2-40B4-BE49-F238E27FC236}">
-                <a16:creationId xmlns:a16="http://schemas.microsoft.com/office/drawing/2014/main" id="{715622EF-CA20-F7D8-B5CF-91B655451E4D}"/>
+                <a16:creationId xmlns:a16="http://schemas.microsoft.com/office/drawing/2014/main" id="{88FD89A8-318D-E34A-D5DD-7AEA12935BFB}"/>
               </a:ext>
             </a:extLst>
           </p:cNvPr>
@@ -1396,7 +1396,7 @@
           <a:bodyPr/>
           <a:lstStyle/>
           <a:p>
-            <a:fld id="{15005D52-2CE2-4982-8427-4372557D5F2F}" type="datetimeFigureOut">
+            <a:fld id="{049140C6-E4DA-4659-AAB4-8F1B743259DF}" type="datetimeFigureOut">
               <a:rPr lang="zh-CN" altLang="en-US" smtClean="0"/>
               <a:t>2024/3/10</a:t>
             </a:fld>
@@ -1409,7 +1409,7 @@
           <p:cNvPr id="6" name="页脚占位符 5">
             <a:extLst>
               <a:ext uri="{FF2B5EF4-FFF2-40B4-BE49-F238E27FC236}">
-                <a16:creationId xmlns:a16="http://schemas.microsoft.com/office/drawing/2014/main" id="{76C7AE05-693E-6EF0-5855-4F75508DFFC7}"/>
+                <a16:creationId xmlns:a16="http://schemas.microsoft.com/office/drawing/2014/main" id="{8D0A5799-AAB5-A311-B93D-3EB6ADB60C2C}"/>
               </a:ext>
             </a:extLst>
           </p:cNvPr>
@@ -1434,7 +1434,7 @@
           <p:cNvPr id="7" name="灯片编号占位符 6">
             <a:extLst>
               <a:ext uri="{FF2B5EF4-FFF2-40B4-BE49-F238E27FC236}">
-                <a16:creationId xmlns:a16="http://schemas.microsoft.com/office/drawing/2014/main" id="{329F6B10-56E4-C1C2-152C-00809D2F3C9A}"/>
+                <a16:creationId xmlns:a16="http://schemas.microsoft.com/office/drawing/2014/main" id="{A3897AE7-FC42-402D-1C68-FDB0C78B5450}"/>
               </a:ext>
             </a:extLst>
           </p:cNvPr>
@@ -1450,7 +1450,7 @@
           <a:bodyPr/>
           <a:lstStyle/>
           <a:p>
-            <a:fld id="{8569DE81-8E28-45CB-AE6D-B0E51CBDDC24}" type="slidenum">
+            <a:fld id="{0BB947AE-120C-4E49-9479-967FBC8058A5}" type="slidenum">
               <a:rPr lang="zh-CN" altLang="en-US" smtClean="0"/>
               <a:t>‹#›</a:t>
             </a:fld>
@@ -1461,7 +1461,7 @@
     </p:spTree>
     <p:extLst>
       <p:ext uri="{BB962C8B-B14F-4D97-AF65-F5344CB8AC3E}">
-        <p14:creationId xmlns:p14="http://schemas.microsoft.com/office/powerpoint/2010/main" val="333478982"/>
+        <p14:creationId xmlns:p14="http://schemas.microsoft.com/office/powerpoint/2010/main" val="3942894705"/>
       </p:ext>
     </p:extLst>
   </p:cSld>
@@ -1493,7 +1493,7 @@
           <p:cNvPr id="2" name="标题 1">
             <a:extLst>
               <a:ext uri="{FF2B5EF4-FFF2-40B4-BE49-F238E27FC236}">
-                <a16:creationId xmlns:a16="http://schemas.microsoft.com/office/drawing/2014/main" id="{B30BBB81-3630-4B64-61C5-5F4AB24C3168}"/>
+                <a16:creationId xmlns:a16="http://schemas.microsoft.com/office/drawing/2014/main" id="{75934D9C-0ABF-2EE6-63F4-05BD1C5E9D1E}"/>
               </a:ext>
             </a:extLst>
           </p:cNvPr>
@@ -1526,7 +1526,7 @@
           <p:cNvPr id="3" name="文本占位符 2">
             <a:extLst>
               <a:ext uri="{FF2B5EF4-FFF2-40B4-BE49-F238E27FC236}">
-                <a16:creationId xmlns:a16="http://schemas.microsoft.com/office/drawing/2014/main" id="{859FB31D-6CCE-EAFB-57F4-C6C70987E7E0}"/>
+                <a16:creationId xmlns:a16="http://schemas.microsoft.com/office/drawing/2014/main" id="{9DA3BEE2-DC30-C877-DAD2-C0BDDAE1401F}"/>
               </a:ext>
             </a:extLst>
           </p:cNvPr>
@@ -1597,7 +1597,7 @@
           <p:cNvPr id="4" name="内容占位符 3">
             <a:extLst>
               <a:ext uri="{FF2B5EF4-FFF2-40B4-BE49-F238E27FC236}">
-                <a16:creationId xmlns:a16="http://schemas.microsoft.com/office/drawing/2014/main" id="{6B61043C-F1EA-2231-7A38-B5E4C1715702}"/>
+                <a16:creationId xmlns:a16="http://schemas.microsoft.com/office/drawing/2014/main" id="{03629306-5BE2-95C0-F3BB-453352F52C5E}"/>
               </a:ext>
             </a:extLst>
           </p:cNvPr>
@@ -1659,7 +1659,7 @@
           <p:cNvPr id="5" name="文本占位符 4">
             <a:extLst>
               <a:ext uri="{FF2B5EF4-FFF2-40B4-BE49-F238E27FC236}">
-                <a16:creationId xmlns:a16="http://schemas.microsoft.com/office/drawing/2014/main" id="{769FE949-0285-D095-CC79-FDB43F89D3A8}"/>
+                <a16:creationId xmlns:a16="http://schemas.microsoft.com/office/drawing/2014/main" id="{8800A18C-1D45-46A2-172F-EA3FF9ACA4CC}"/>
               </a:ext>
             </a:extLst>
           </p:cNvPr>
@@ -1730,7 +1730,7 @@
           <p:cNvPr id="6" name="内容占位符 5">
             <a:extLst>
               <a:ext uri="{FF2B5EF4-FFF2-40B4-BE49-F238E27FC236}">
-                <a16:creationId xmlns:a16="http://schemas.microsoft.com/office/drawing/2014/main" id="{80C54BC1-237B-6694-2219-30A302F214C9}"/>
+                <a16:creationId xmlns:a16="http://schemas.microsoft.com/office/drawing/2014/main" id="{E82A0594-6C65-D381-5543-22BC81B81B90}"/>
               </a:ext>
             </a:extLst>
           </p:cNvPr>
@@ -1792,7 +1792,7 @@
           <p:cNvPr id="7" name="日期占位符 6">
             <a:extLst>
               <a:ext uri="{FF2B5EF4-FFF2-40B4-BE49-F238E27FC236}">
-                <a16:creationId xmlns:a16="http://schemas.microsoft.com/office/drawing/2014/main" id="{E62B75DC-837A-80E2-48A1-FC3850323529}"/>
+                <a16:creationId xmlns:a16="http://schemas.microsoft.com/office/drawing/2014/main" id="{69313227-148D-63CC-A0FF-ECEF5562771C}"/>
               </a:ext>
             </a:extLst>
           </p:cNvPr>
@@ -1808,7 +1808,7 @@
           <a:bodyPr/>
           <a:lstStyle/>
           <a:p>
-            <a:fld id="{15005D52-2CE2-4982-8427-4372557D5F2F}" type="datetimeFigureOut">
+            <a:fld id="{049140C6-E4DA-4659-AAB4-8F1B743259DF}" type="datetimeFigureOut">
               <a:rPr lang="zh-CN" altLang="en-US" smtClean="0"/>
               <a:t>2024/3/10</a:t>
             </a:fld>
@@ -1821,7 +1821,7 @@
           <p:cNvPr id="8" name="页脚占位符 7">
             <a:extLst>
               <a:ext uri="{FF2B5EF4-FFF2-40B4-BE49-F238E27FC236}">
-                <a16:creationId xmlns:a16="http://schemas.microsoft.com/office/drawing/2014/main" id="{AFC106BB-430E-9533-12D6-F1B6084F506C}"/>
+                <a16:creationId xmlns:a16="http://schemas.microsoft.com/office/drawing/2014/main" id="{0CD7FC23-30E9-49D5-EDC9-24C1C2E41757}"/>
               </a:ext>
             </a:extLst>
           </p:cNvPr>
@@ -1846,7 +1846,7 @@
           <p:cNvPr id="9" name="灯片编号占位符 8">
             <a:extLst>
               <a:ext uri="{FF2B5EF4-FFF2-40B4-BE49-F238E27FC236}">
-                <a16:creationId xmlns:a16="http://schemas.microsoft.com/office/drawing/2014/main" id="{5BBD5DE4-1D54-9AF6-E58D-EFD6612098C6}"/>
+                <a16:creationId xmlns:a16="http://schemas.microsoft.com/office/drawing/2014/main" id="{88FB2750-11DC-1551-0A41-4AC73632834A}"/>
               </a:ext>
             </a:extLst>
           </p:cNvPr>
@@ -1862,7 +1862,7 @@
           <a:bodyPr/>
           <a:lstStyle/>
           <a:p>
-            <a:fld id="{8569DE81-8E28-45CB-AE6D-B0E51CBDDC24}" type="slidenum">
+            <a:fld id="{0BB947AE-120C-4E49-9479-967FBC8058A5}" type="slidenum">
               <a:rPr lang="zh-CN" altLang="en-US" smtClean="0"/>
               <a:t>‹#›</a:t>
             </a:fld>
@@ -1873,7 +1873,7 @@
     </p:spTree>
     <p:extLst>
       <p:ext uri="{BB962C8B-B14F-4D97-AF65-F5344CB8AC3E}">
-        <p14:creationId xmlns:p14="http://schemas.microsoft.com/office/powerpoint/2010/main" val="596019649"/>
+        <p14:creationId xmlns:p14="http://schemas.microsoft.com/office/powerpoint/2010/main" val="1732283079"/>
       </p:ext>
     </p:extLst>
   </p:cSld>
@@ -1905,7 +1905,7 @@
           <p:cNvPr id="2" name="标题 1">
             <a:extLst>
               <a:ext uri="{FF2B5EF4-FFF2-40B4-BE49-F238E27FC236}">
-                <a16:creationId xmlns:a16="http://schemas.microsoft.com/office/drawing/2014/main" id="{8352655F-B118-C810-FF23-5305A6C89362}"/>
+                <a16:creationId xmlns:a16="http://schemas.microsoft.com/office/drawing/2014/main" id="{B28EAF40-8ACB-995A-4637-688A64280471}"/>
               </a:ext>
             </a:extLst>
           </p:cNvPr>
@@ -1933,7 +1933,7 @@
           <p:cNvPr id="3" name="日期占位符 2">
             <a:extLst>
               <a:ext uri="{FF2B5EF4-FFF2-40B4-BE49-F238E27FC236}">
-                <a16:creationId xmlns:a16="http://schemas.microsoft.com/office/drawing/2014/main" id="{98A5025F-B6DD-3BCF-2655-B462894EE60B}"/>
+                <a16:creationId xmlns:a16="http://schemas.microsoft.com/office/drawing/2014/main" id="{B596D322-7CFA-FCDE-79F5-5552A59A991F}"/>
               </a:ext>
             </a:extLst>
           </p:cNvPr>
@@ -1949,7 +1949,7 @@
           <a:bodyPr/>
           <a:lstStyle/>
           <a:p>
-            <a:fld id="{15005D52-2CE2-4982-8427-4372557D5F2F}" type="datetimeFigureOut">
+            <a:fld id="{049140C6-E4DA-4659-AAB4-8F1B743259DF}" type="datetimeFigureOut">
               <a:rPr lang="zh-CN" altLang="en-US" smtClean="0"/>
               <a:t>2024/3/10</a:t>
             </a:fld>
@@ -1962,7 +1962,7 @@
           <p:cNvPr id="4" name="页脚占位符 3">
             <a:extLst>
               <a:ext uri="{FF2B5EF4-FFF2-40B4-BE49-F238E27FC236}">
-                <a16:creationId xmlns:a16="http://schemas.microsoft.com/office/drawing/2014/main" id="{3A6FF4A5-74F9-E7B3-7A54-58CC1C948F03}"/>
+                <a16:creationId xmlns:a16="http://schemas.microsoft.com/office/drawing/2014/main" id="{EC904FFE-B4C8-DE43-180C-F90B6C64A40D}"/>
               </a:ext>
             </a:extLst>
           </p:cNvPr>
@@ -1987,7 +1987,7 @@
           <p:cNvPr id="5" name="灯片编号占位符 4">
             <a:extLst>
               <a:ext uri="{FF2B5EF4-FFF2-40B4-BE49-F238E27FC236}">
-                <a16:creationId xmlns:a16="http://schemas.microsoft.com/office/drawing/2014/main" id="{9104A2F9-B149-AD8C-AC06-FB48F7061E51}"/>
+                <a16:creationId xmlns:a16="http://schemas.microsoft.com/office/drawing/2014/main" id="{49DB4224-DAEC-ACA2-8657-667B64F91ECE}"/>
               </a:ext>
             </a:extLst>
           </p:cNvPr>
@@ -2003,7 +2003,7 @@
           <a:bodyPr/>
           <a:lstStyle/>
           <a:p>
-            <a:fld id="{8569DE81-8E28-45CB-AE6D-B0E51CBDDC24}" type="slidenum">
+            <a:fld id="{0BB947AE-120C-4E49-9479-967FBC8058A5}" type="slidenum">
               <a:rPr lang="zh-CN" altLang="en-US" smtClean="0"/>
               <a:t>‹#›</a:t>
             </a:fld>
@@ -2014,7 +2014,7 @@
     </p:spTree>
     <p:extLst>
       <p:ext uri="{BB962C8B-B14F-4D97-AF65-F5344CB8AC3E}">
-        <p14:creationId xmlns:p14="http://schemas.microsoft.com/office/powerpoint/2010/main" val="3207499123"/>
+        <p14:creationId xmlns:p14="http://schemas.microsoft.com/office/powerpoint/2010/main" val="597453222"/>
       </p:ext>
     </p:extLst>
   </p:cSld>
@@ -2046,7 +2046,7 @@
           <p:cNvPr id="2" name="日期占位符 1">
             <a:extLst>
               <a:ext uri="{FF2B5EF4-FFF2-40B4-BE49-F238E27FC236}">
-                <a16:creationId xmlns:a16="http://schemas.microsoft.com/office/drawing/2014/main" id="{5AD569F7-F4EB-A9B3-75FD-EC9A4778B8BC}"/>
+                <a16:creationId xmlns:a16="http://schemas.microsoft.com/office/drawing/2014/main" id="{57A669A2-6F12-D621-8A9C-856986FCC08D}"/>
               </a:ext>
             </a:extLst>
           </p:cNvPr>
@@ -2062,7 +2062,7 @@
           <a:bodyPr/>
           <a:lstStyle/>
           <a:p>
-            <a:fld id="{15005D52-2CE2-4982-8427-4372557D5F2F}" type="datetimeFigureOut">
+            <a:fld id="{049140C6-E4DA-4659-AAB4-8F1B743259DF}" type="datetimeFigureOut">
               <a:rPr lang="zh-CN" altLang="en-US" smtClean="0"/>
               <a:t>2024/3/10</a:t>
             </a:fld>
@@ -2075,7 +2075,7 @@
           <p:cNvPr id="3" name="页脚占位符 2">
             <a:extLst>
               <a:ext uri="{FF2B5EF4-FFF2-40B4-BE49-F238E27FC236}">
-                <a16:creationId xmlns:a16="http://schemas.microsoft.com/office/drawing/2014/main" id="{A9B4CE55-DE07-68EE-1E59-19F9AFA416C6}"/>
+                <a16:creationId xmlns:a16="http://schemas.microsoft.com/office/drawing/2014/main" id="{968D2382-16E8-5FC6-C289-384D72A3DA2E}"/>
               </a:ext>
             </a:extLst>
           </p:cNvPr>
@@ -2100,7 +2100,7 @@
           <p:cNvPr id="4" name="灯片编号占位符 3">
             <a:extLst>
               <a:ext uri="{FF2B5EF4-FFF2-40B4-BE49-F238E27FC236}">
-                <a16:creationId xmlns:a16="http://schemas.microsoft.com/office/drawing/2014/main" id="{F6DC3233-7620-CAFE-3F8B-3CC6FB00313F}"/>
+                <a16:creationId xmlns:a16="http://schemas.microsoft.com/office/drawing/2014/main" id="{44C899B3-8D78-811B-3EDD-AD604C4E1408}"/>
               </a:ext>
             </a:extLst>
           </p:cNvPr>
@@ -2116,7 +2116,7 @@
           <a:bodyPr/>
           <a:lstStyle/>
           <a:p>
-            <a:fld id="{8569DE81-8E28-45CB-AE6D-B0E51CBDDC24}" type="slidenum">
+            <a:fld id="{0BB947AE-120C-4E49-9479-967FBC8058A5}" type="slidenum">
               <a:rPr lang="zh-CN" altLang="en-US" smtClean="0"/>
               <a:t>‹#›</a:t>
             </a:fld>
@@ -2127,7 +2127,7 @@
     </p:spTree>
     <p:extLst>
       <p:ext uri="{BB962C8B-B14F-4D97-AF65-F5344CB8AC3E}">
-        <p14:creationId xmlns:p14="http://schemas.microsoft.com/office/powerpoint/2010/main" val="763113108"/>
+        <p14:creationId xmlns:p14="http://schemas.microsoft.com/office/powerpoint/2010/main" val="3467551176"/>
       </p:ext>
     </p:extLst>
   </p:cSld>
@@ -2159,7 +2159,7 @@
           <p:cNvPr id="2" name="标题 1">
             <a:extLst>
               <a:ext uri="{FF2B5EF4-FFF2-40B4-BE49-F238E27FC236}">
-                <a16:creationId xmlns:a16="http://schemas.microsoft.com/office/drawing/2014/main" id="{0C41192D-5CA0-36B6-EDE3-DFC87BBA0E8B}"/>
+                <a16:creationId xmlns:a16="http://schemas.microsoft.com/office/drawing/2014/main" id="{CC621AEB-57AA-8946-6CBE-E83BA9F6CB56}"/>
               </a:ext>
             </a:extLst>
           </p:cNvPr>
@@ -2196,7 +2196,7 @@
           <p:cNvPr id="3" name="内容占位符 2">
             <a:extLst>
               <a:ext uri="{FF2B5EF4-FFF2-40B4-BE49-F238E27FC236}">
-                <a16:creationId xmlns:a16="http://schemas.microsoft.com/office/drawing/2014/main" id="{BFE79773-DC0D-5DC0-F56E-9F144E8896AA}"/>
+                <a16:creationId xmlns:a16="http://schemas.microsoft.com/office/drawing/2014/main" id="{FC8D3A9E-329D-D216-B86F-2DBF9B0BDC54}"/>
               </a:ext>
             </a:extLst>
           </p:cNvPr>
@@ -2286,7 +2286,7 @@
           <p:cNvPr id="4" name="文本占位符 3">
             <a:extLst>
               <a:ext uri="{FF2B5EF4-FFF2-40B4-BE49-F238E27FC236}">
-                <a16:creationId xmlns:a16="http://schemas.microsoft.com/office/drawing/2014/main" id="{78B63322-D5C7-CD04-365C-BB81F25352CC}"/>
+                <a16:creationId xmlns:a16="http://schemas.microsoft.com/office/drawing/2014/main" id="{E16EDEBF-F72D-B5D5-AA0B-A218C68E2B2C}"/>
               </a:ext>
             </a:extLst>
           </p:cNvPr>
@@ -2357,7 +2357,7 @@
           <p:cNvPr id="5" name="日期占位符 4">
             <a:extLst>
               <a:ext uri="{FF2B5EF4-FFF2-40B4-BE49-F238E27FC236}">
-                <a16:creationId xmlns:a16="http://schemas.microsoft.com/office/drawing/2014/main" id="{822CD5F1-98B0-FC41-B609-987B423FE541}"/>
+                <a16:creationId xmlns:a16="http://schemas.microsoft.com/office/drawing/2014/main" id="{A246CDC0-17AE-3ED7-E108-9DEA06F17335}"/>
               </a:ext>
             </a:extLst>
           </p:cNvPr>
@@ -2373,7 +2373,7 @@
           <a:bodyPr/>
           <a:lstStyle/>
           <a:p>
-            <a:fld id="{15005D52-2CE2-4982-8427-4372557D5F2F}" type="datetimeFigureOut">
+            <a:fld id="{049140C6-E4DA-4659-AAB4-8F1B743259DF}" type="datetimeFigureOut">
               <a:rPr lang="zh-CN" altLang="en-US" smtClean="0"/>
               <a:t>2024/3/10</a:t>
             </a:fld>
@@ -2386,7 +2386,7 @@
           <p:cNvPr id="6" name="页脚占位符 5">
             <a:extLst>
               <a:ext uri="{FF2B5EF4-FFF2-40B4-BE49-F238E27FC236}">
-                <a16:creationId xmlns:a16="http://schemas.microsoft.com/office/drawing/2014/main" id="{AF2273C2-E7EA-65EA-1AFA-F6F0339FE4F5}"/>
+                <a16:creationId xmlns:a16="http://schemas.microsoft.com/office/drawing/2014/main" id="{0BE00F07-63C5-CA3D-E68B-AEF6C53EA050}"/>
               </a:ext>
             </a:extLst>
           </p:cNvPr>
@@ -2411,7 +2411,7 @@
           <p:cNvPr id="7" name="灯片编号占位符 6">
             <a:extLst>
               <a:ext uri="{FF2B5EF4-FFF2-40B4-BE49-F238E27FC236}">
-                <a16:creationId xmlns:a16="http://schemas.microsoft.com/office/drawing/2014/main" id="{C4726E03-0B48-533B-DD93-B0F539298D42}"/>
+                <a16:creationId xmlns:a16="http://schemas.microsoft.com/office/drawing/2014/main" id="{A70F393B-AB0B-8BE0-D22C-A5F2D088066A}"/>
               </a:ext>
             </a:extLst>
           </p:cNvPr>
@@ -2427,7 +2427,7 @@
           <a:bodyPr/>
           <a:lstStyle/>
           <a:p>
-            <a:fld id="{8569DE81-8E28-45CB-AE6D-B0E51CBDDC24}" type="slidenum">
+            <a:fld id="{0BB947AE-120C-4E49-9479-967FBC8058A5}" type="slidenum">
               <a:rPr lang="zh-CN" altLang="en-US" smtClean="0"/>
               <a:t>‹#›</a:t>
             </a:fld>
@@ -2438,7 +2438,7 @@
     </p:spTree>
     <p:extLst>
       <p:ext uri="{BB962C8B-B14F-4D97-AF65-F5344CB8AC3E}">
-        <p14:creationId xmlns:p14="http://schemas.microsoft.com/office/powerpoint/2010/main" val="1214794807"/>
+        <p14:creationId xmlns:p14="http://schemas.microsoft.com/office/powerpoint/2010/main" val="407912182"/>
       </p:ext>
     </p:extLst>
   </p:cSld>
@@ -2470,7 +2470,7 @@
           <p:cNvPr id="2" name="标题 1">
             <a:extLst>
               <a:ext uri="{FF2B5EF4-FFF2-40B4-BE49-F238E27FC236}">
-                <a16:creationId xmlns:a16="http://schemas.microsoft.com/office/drawing/2014/main" id="{8DCF6BAD-CA52-9659-0A83-04B3847EC41D}"/>
+                <a16:creationId xmlns:a16="http://schemas.microsoft.com/office/drawing/2014/main" id="{62059C46-8EA1-647A-2EC6-D6A301ED0CF1}"/>
               </a:ext>
             </a:extLst>
           </p:cNvPr>
@@ -2507,7 +2507,7 @@
           <p:cNvPr id="3" name="图片占位符 2">
             <a:extLst>
               <a:ext uri="{FF2B5EF4-FFF2-40B4-BE49-F238E27FC236}">
-                <a16:creationId xmlns:a16="http://schemas.microsoft.com/office/drawing/2014/main" id="{62B5E5B1-1087-6D54-896B-9AD4E4AB1136}"/>
+                <a16:creationId xmlns:a16="http://schemas.microsoft.com/office/drawing/2014/main" id="{8886423C-2865-95C3-831A-945F3863E392}"/>
               </a:ext>
             </a:extLst>
           </p:cNvPr>
@@ -2574,7 +2574,7 @@
           <p:cNvPr id="4" name="文本占位符 3">
             <a:extLst>
               <a:ext uri="{FF2B5EF4-FFF2-40B4-BE49-F238E27FC236}">
-                <a16:creationId xmlns:a16="http://schemas.microsoft.com/office/drawing/2014/main" id="{22773F88-A286-A29E-2BDA-D46C644CD053}"/>
+                <a16:creationId xmlns:a16="http://schemas.microsoft.com/office/drawing/2014/main" id="{C74065EE-8FDE-92FA-0A76-D4B6F0086522}"/>
               </a:ext>
             </a:extLst>
           </p:cNvPr>
@@ -2645,7 +2645,7 @@
           <p:cNvPr id="5" name="日期占位符 4">
             <a:extLst>
               <a:ext uri="{FF2B5EF4-FFF2-40B4-BE49-F238E27FC236}">
-                <a16:creationId xmlns:a16="http://schemas.microsoft.com/office/drawing/2014/main" id="{290D8686-B203-6F1A-1C74-8C99D0730E68}"/>
+                <a16:creationId xmlns:a16="http://schemas.microsoft.com/office/drawing/2014/main" id="{F8465558-D98B-490B-0885-2717DE49DE6D}"/>
               </a:ext>
             </a:extLst>
           </p:cNvPr>
@@ -2661,7 +2661,7 @@
           <a:bodyPr/>
           <a:lstStyle/>
           <a:p>
-            <a:fld id="{15005D52-2CE2-4982-8427-4372557D5F2F}" type="datetimeFigureOut">
+            <a:fld id="{049140C6-E4DA-4659-AAB4-8F1B743259DF}" type="datetimeFigureOut">
               <a:rPr lang="zh-CN" altLang="en-US" smtClean="0"/>
               <a:t>2024/3/10</a:t>
             </a:fld>
@@ -2674,7 +2674,7 @@
           <p:cNvPr id="6" name="页脚占位符 5">
             <a:extLst>
               <a:ext uri="{FF2B5EF4-FFF2-40B4-BE49-F238E27FC236}">
-                <a16:creationId xmlns:a16="http://schemas.microsoft.com/office/drawing/2014/main" id="{FBEBB217-8651-51BA-E5D4-DA7F31FD4ED9}"/>
+                <a16:creationId xmlns:a16="http://schemas.microsoft.com/office/drawing/2014/main" id="{AC263FC3-5AE4-598D-4E3A-37F6A384DF00}"/>
               </a:ext>
             </a:extLst>
           </p:cNvPr>
@@ -2699,7 +2699,7 @@
           <p:cNvPr id="7" name="灯片编号占位符 6">
             <a:extLst>
               <a:ext uri="{FF2B5EF4-FFF2-40B4-BE49-F238E27FC236}">
-                <a16:creationId xmlns:a16="http://schemas.microsoft.com/office/drawing/2014/main" id="{007CBE0E-1BAE-0E11-3BC4-7CD5526D2B3C}"/>
+                <a16:creationId xmlns:a16="http://schemas.microsoft.com/office/drawing/2014/main" id="{79467DBD-BDDE-799D-B1C7-3899FA95C83B}"/>
               </a:ext>
             </a:extLst>
           </p:cNvPr>
@@ -2715,7 +2715,7 @@
           <a:bodyPr/>
           <a:lstStyle/>
           <a:p>
-            <a:fld id="{8569DE81-8E28-45CB-AE6D-B0E51CBDDC24}" type="slidenum">
+            <a:fld id="{0BB947AE-120C-4E49-9479-967FBC8058A5}" type="slidenum">
               <a:rPr lang="zh-CN" altLang="en-US" smtClean="0"/>
               <a:t>‹#›</a:t>
             </a:fld>
@@ -2726,7 +2726,7 @@
     </p:spTree>
     <p:extLst>
       <p:ext uri="{BB962C8B-B14F-4D97-AF65-F5344CB8AC3E}">
-        <p14:creationId xmlns:p14="http://schemas.microsoft.com/office/powerpoint/2010/main" val="159096900"/>
+        <p14:creationId xmlns:p14="http://schemas.microsoft.com/office/powerpoint/2010/main" val="2258533973"/>
       </p:ext>
     </p:extLst>
   </p:cSld>
@@ -2763,7 +2763,7 @@
           <p:cNvPr id="2" name="标题占位符 1">
             <a:extLst>
               <a:ext uri="{FF2B5EF4-FFF2-40B4-BE49-F238E27FC236}">
-                <a16:creationId xmlns:a16="http://schemas.microsoft.com/office/drawing/2014/main" id="{D5E213D6-50FD-18E2-F04B-85D78D5CD5F5}"/>
+                <a16:creationId xmlns:a16="http://schemas.microsoft.com/office/drawing/2014/main" id="{7F90ED26-98C0-520C-3534-44D4BE5FD7FD}"/>
               </a:ext>
             </a:extLst>
           </p:cNvPr>
@@ -2801,7 +2801,7 @@
           <p:cNvPr id="3" name="文本占位符 2">
             <a:extLst>
               <a:ext uri="{FF2B5EF4-FFF2-40B4-BE49-F238E27FC236}">
-                <a16:creationId xmlns:a16="http://schemas.microsoft.com/office/drawing/2014/main" id="{19D54CA5-948B-0A5B-817F-876AE49BBCB3}"/>
+                <a16:creationId xmlns:a16="http://schemas.microsoft.com/office/drawing/2014/main" id="{BB845155-1F9E-41DF-8F26-E4030E36F3F2}"/>
               </a:ext>
             </a:extLst>
           </p:cNvPr>
@@ -2868,7 +2868,7 @@
           <p:cNvPr id="4" name="日期占位符 3">
             <a:extLst>
               <a:ext uri="{FF2B5EF4-FFF2-40B4-BE49-F238E27FC236}">
-                <a16:creationId xmlns:a16="http://schemas.microsoft.com/office/drawing/2014/main" id="{15B6AF1B-F353-6C13-233D-C8429853732B}"/>
+                <a16:creationId xmlns:a16="http://schemas.microsoft.com/office/drawing/2014/main" id="{E5BB5812-DC87-6AE7-822F-24F9A492EFF6}"/>
               </a:ext>
             </a:extLst>
           </p:cNvPr>
@@ -2902,7 +2902,7 @@
             </a:lvl1pPr>
           </a:lstStyle>
           <a:p>
-            <a:fld id="{15005D52-2CE2-4982-8427-4372557D5F2F}" type="datetimeFigureOut">
+            <a:fld id="{049140C6-E4DA-4659-AAB4-8F1B743259DF}" type="datetimeFigureOut">
               <a:rPr lang="zh-CN" altLang="en-US" smtClean="0"/>
               <a:t>2024/3/10</a:t>
             </a:fld>
@@ -2915,7 +2915,7 @@
           <p:cNvPr id="5" name="页脚占位符 4">
             <a:extLst>
               <a:ext uri="{FF2B5EF4-FFF2-40B4-BE49-F238E27FC236}">
-                <a16:creationId xmlns:a16="http://schemas.microsoft.com/office/drawing/2014/main" id="{8D56963D-CEAD-B641-8945-34FF1E939090}"/>
+                <a16:creationId xmlns:a16="http://schemas.microsoft.com/office/drawing/2014/main" id="{9C9A255C-BFF6-A45C-B5FC-BF2E4E80DBCE}"/>
               </a:ext>
             </a:extLst>
           </p:cNvPr>
@@ -2958,7 +2958,7 @@
           <p:cNvPr id="6" name="灯片编号占位符 5">
             <a:extLst>
               <a:ext uri="{FF2B5EF4-FFF2-40B4-BE49-F238E27FC236}">
-                <a16:creationId xmlns:a16="http://schemas.microsoft.com/office/drawing/2014/main" id="{5549BDB0-CA99-82FC-C783-F926EC2E4134}"/>
+                <a16:creationId xmlns:a16="http://schemas.microsoft.com/office/drawing/2014/main" id="{9DAA74EA-93BB-CD1B-7921-B90C3487A033}"/>
               </a:ext>
             </a:extLst>
           </p:cNvPr>
@@ -2992,7 +2992,7 @@
             </a:lvl1pPr>
           </a:lstStyle>
           <a:p>
-            <a:fld id="{8569DE81-8E28-45CB-AE6D-B0E51CBDDC24}" type="slidenum">
+            <a:fld id="{0BB947AE-120C-4E49-9479-967FBC8058A5}" type="slidenum">
               <a:rPr lang="zh-CN" altLang="en-US" smtClean="0"/>
               <a:t>‹#›</a:t>
             </a:fld>
@@ -3003,7 +3003,7 @@
     </p:spTree>
     <p:extLst>
       <p:ext uri="{BB962C8B-B14F-4D97-AF65-F5344CB8AC3E}">
-        <p14:creationId xmlns:p14="http://schemas.microsoft.com/office/powerpoint/2010/main" val="818984945"/>
+        <p14:creationId xmlns:p14="http://schemas.microsoft.com/office/powerpoint/2010/main" val="119918787"/>
       </p:ext>
     </p:extLst>
   </p:cSld>
@@ -3323,7 +3323,7 @@
       </p:grpSpPr>
       <p:pic>
         <p:nvPicPr>
-          <p:cNvPr id="1557506" name="Picture 2" descr="1520"/>
+          <p:cNvPr id="1558530" name="Picture 2" descr="1521"/>
           <p:cNvPicPr>
             <a:picLocks noChangeAspect="1" noChangeArrowheads="1"/>
           </p:cNvPicPr>
@@ -3345,7 +3345,7 @@
         <p:spPr bwMode="auto">
           <a:xfrm>
             <a:off x="1524000" y="0"/>
-            <a:ext cx="9144000" cy="6858000"/>
+            <a:ext cx="9144000" cy="6021388"/>
           </a:xfrm>
           <a:prstGeom prst="rect">
             <a:avLst/>
@@ -3375,11 +3375,158 @@
           </a:extLst>
         </p:spPr>
       </p:pic>
+      <p:pic>
+        <p:nvPicPr>
+          <p:cNvPr id="1559555" name="Picture 3" descr="1521-2"/>
+          <p:cNvPicPr>
+            <a:picLocks noChangeAspect="1" noChangeArrowheads="1"/>
+          </p:cNvPicPr>
+          <p:nvPr/>
+        </p:nvPicPr>
+        <p:blipFill>
+          <a:blip r:embed="rId3">
+            <a:extLst>
+              <a:ext uri="{28A0092B-C50C-407E-A947-70E740481C1C}">
+                <a14:useLocalDpi xmlns:a14="http://schemas.microsoft.com/office/drawing/2010/main" val="0"/>
+              </a:ext>
+            </a:extLst>
+          </a:blip>
+          <a:srcRect/>
+          <a:stretch>
+            <a:fillRect/>
+          </a:stretch>
+        </p:blipFill>
+        <p:spPr bwMode="auto">
+          <a:xfrm>
+            <a:off x="1524001" y="1589"/>
+            <a:ext cx="9180513" cy="6092825"/>
+          </a:xfrm>
+          <a:prstGeom prst="rect">
+            <a:avLst/>
+          </a:prstGeom>
+          <a:noFill/>
+          <a:ln>
+            <a:noFill/>
+          </a:ln>
+          <a:effectLst/>
+          <a:extLst>
+            <a:ext uri="{909E8E84-426E-40DD-AFC4-6F175D3DCCD1}">
+              <a14:hiddenFill xmlns:a14="http://schemas.microsoft.com/office/drawing/2010/main">
+                <a:solidFill>
+                  <a:srgbClr val="FFFFFF"/>
+                </a:solidFill>
+              </a14:hiddenFill>
+            </a:ext>
+            <a:ext uri="{91240B29-F687-4F45-9708-019B960494DF}">
+              <a14:hiddenLine xmlns:a14="http://schemas.microsoft.com/office/drawing/2010/main" w="9525">
+                <a:solidFill>
+                  <a:srgbClr val="000000"/>
+                </a:solidFill>
+                <a:miter lim="800000"/>
+                <a:headEnd/>
+                <a:tailEnd/>
+              </a14:hiddenLine>
+            </a:ext>
+            <a:ext uri="{AF507438-7753-43E0-B8FC-AC1667EBCBE1}">
+              <a14:hiddenEffects xmlns:a14="http://schemas.microsoft.com/office/drawing/2010/main">
+                <a:effectLst>
+                  <a:outerShdw dist="35921" dir="2700000" algn="ctr" rotWithShape="0">
+                    <a:srgbClr val="808080"/>
+                  </a:outerShdw>
+                </a:effectLst>
+              </a14:hiddenEffects>
+            </a:ext>
+          </a:extLst>
+        </p:spPr>
+      </p:pic>
     </p:spTree>
   </p:cSld>
   <p:clrMapOvr>
     <a:masterClrMapping/>
   </p:clrMapOvr>
+  <p:timing>
+    <p:tnLst>
+      <p:par>
+        <p:cTn id="1" dur="indefinite" restart="never" nodeType="tmRoot">
+          <p:childTnLst>
+            <p:seq concurrent="1" nextAc="seek">
+              <p:cTn id="2" dur="indefinite" nodeType="mainSeq">
+                <p:childTnLst>
+                  <p:par>
+                    <p:cTn id="3" fill="hold" nodeType="clickPar">
+                      <p:stCondLst>
+                        <p:cond delay="indefinite"/>
+                      </p:stCondLst>
+                      <p:childTnLst>
+                        <p:par>
+                          <p:cTn id="4" fill="hold" nodeType="withGroup">
+                            <p:stCondLst>
+                              <p:cond delay="0"/>
+                            </p:stCondLst>
+                            <p:childTnLst>
+                              <p:par>
+                                <p:cTn id="5" presetID="10" presetClass="entr" presetSubtype="0" fill="hold" nodeType="clickEffect">
+                                  <p:stCondLst>
+                                    <p:cond delay="0"/>
+                                  </p:stCondLst>
+                                  <p:childTnLst>
+                                    <p:set>
+                                      <p:cBhvr>
+                                        <p:cTn id="6" dur="1" fill="hold">
+                                          <p:stCondLst>
+                                            <p:cond delay="0"/>
+                                          </p:stCondLst>
+                                        </p:cTn>
+                                        <p:tgtEl>
+                                          <p:spTgt spid="1559555"/>
+                                        </p:tgtEl>
+                                        <p:attrNameLst>
+                                          <p:attrName>style.visibility</p:attrName>
+                                        </p:attrNameLst>
+                                      </p:cBhvr>
+                                      <p:to>
+                                        <p:strVal val="visible"/>
+                                      </p:to>
+                                    </p:set>
+                                    <p:animEffect transition="in" filter="fade">
+                                      <p:cBhvr>
+                                        <p:cTn id="7" dur="500"/>
+                                        <p:tgtEl>
+                                          <p:spTgt spid="1559555"/>
+                                        </p:tgtEl>
+                                      </p:cBhvr>
+                                    </p:animEffect>
+                                  </p:childTnLst>
+                                </p:cTn>
+                              </p:par>
+                            </p:childTnLst>
+                          </p:cTn>
+                        </p:par>
+                      </p:childTnLst>
+                    </p:cTn>
+                  </p:par>
+                </p:childTnLst>
+              </p:cTn>
+              <p:prevCondLst>
+                <p:cond evt="onPrev" delay="0">
+                  <p:tgtEl>
+                    <p:sldTgt/>
+                  </p:tgtEl>
+                </p:cond>
+              </p:prevCondLst>
+              <p:nextCondLst>
+                <p:cond evt="onNext" delay="0">
+                  <p:tgtEl>
+                    <p:sldTgt/>
+                  </p:tgtEl>
+                </p:cond>
+              </p:nextCondLst>
+            </p:seq>
+          </p:childTnLst>
+        </p:cTn>
+      </p:par>
+    </p:tnLst>
+  </p:timing>
 </p:sld>
 </file>
 
